--- a/antora/components/userguide/modules/fun/attachments/object-type-taxonomy.pptx
+++ b/antora/components/userguide/modules/fun/attachments/object-type-taxonomy.pptx
@@ -104,6 +104,11 @@
       </a:defRPr>
     </a:lvl9pPr>
   </p:defaultTextStyle>
+  <p:extLst>
+    <p:ext uri="{EFAFB233-063F-42B5-8137-9DF3F51BA10A}">
+      <p15:sldGuideLst xmlns:p15="http://schemas.microsoft.com/office/powerpoint/2012/main"/>
+    </p:ext>
+  </p:extLst>
 </p:presentation>
 </file>
 
@@ -256,7 +261,7 @@
           <a:p>
             <a:fld id="{DA8F2445-9BCA-4445-AFEA-07BFD637959D}" type="datetimeFigureOut">
               <a:rPr lang="en-GB" smtClean="0"/>
-              <a:t>10/10/2019</a:t>
+              <a:t>12/03/2023</a:t>
             </a:fld>
             <a:endParaRPr lang="en-GB"/>
           </a:p>
@@ -456,7 +461,7 @@
           <a:p>
             <a:fld id="{DA8F2445-9BCA-4445-AFEA-07BFD637959D}" type="datetimeFigureOut">
               <a:rPr lang="en-GB" smtClean="0"/>
-              <a:t>10/10/2019</a:t>
+              <a:t>12/03/2023</a:t>
             </a:fld>
             <a:endParaRPr lang="en-GB"/>
           </a:p>
@@ -666,7 +671,7 @@
           <a:p>
             <a:fld id="{DA8F2445-9BCA-4445-AFEA-07BFD637959D}" type="datetimeFigureOut">
               <a:rPr lang="en-GB" smtClean="0"/>
-              <a:t>10/10/2019</a:t>
+              <a:t>12/03/2023</a:t>
             </a:fld>
             <a:endParaRPr lang="en-GB"/>
           </a:p>
@@ -866,7 +871,7 @@
           <a:p>
             <a:fld id="{DA8F2445-9BCA-4445-AFEA-07BFD637959D}" type="datetimeFigureOut">
               <a:rPr lang="en-GB" smtClean="0"/>
-              <a:t>10/10/2019</a:t>
+              <a:t>12/03/2023</a:t>
             </a:fld>
             <a:endParaRPr lang="en-GB"/>
           </a:p>
@@ -1142,7 +1147,7 @@
           <a:p>
             <a:fld id="{DA8F2445-9BCA-4445-AFEA-07BFD637959D}" type="datetimeFigureOut">
               <a:rPr lang="en-GB" smtClean="0"/>
-              <a:t>10/10/2019</a:t>
+              <a:t>12/03/2023</a:t>
             </a:fld>
             <a:endParaRPr lang="en-GB"/>
           </a:p>
@@ -1410,7 +1415,7 @@
           <a:p>
             <a:fld id="{DA8F2445-9BCA-4445-AFEA-07BFD637959D}" type="datetimeFigureOut">
               <a:rPr lang="en-GB" smtClean="0"/>
-              <a:t>10/10/2019</a:t>
+              <a:t>12/03/2023</a:t>
             </a:fld>
             <a:endParaRPr lang="en-GB"/>
           </a:p>
@@ -1825,7 +1830,7 @@
           <a:p>
             <a:fld id="{DA8F2445-9BCA-4445-AFEA-07BFD637959D}" type="datetimeFigureOut">
               <a:rPr lang="en-GB" smtClean="0"/>
-              <a:t>10/10/2019</a:t>
+              <a:t>12/03/2023</a:t>
             </a:fld>
             <a:endParaRPr lang="en-GB"/>
           </a:p>
@@ -1967,7 +1972,7 @@
           <a:p>
             <a:fld id="{DA8F2445-9BCA-4445-AFEA-07BFD637959D}" type="datetimeFigureOut">
               <a:rPr lang="en-GB" smtClean="0"/>
-              <a:t>10/10/2019</a:t>
+              <a:t>12/03/2023</a:t>
             </a:fld>
             <a:endParaRPr lang="en-GB"/>
           </a:p>
@@ -2080,7 +2085,7 @@
           <a:p>
             <a:fld id="{DA8F2445-9BCA-4445-AFEA-07BFD637959D}" type="datetimeFigureOut">
               <a:rPr lang="en-GB" smtClean="0"/>
-              <a:t>10/10/2019</a:t>
+              <a:t>12/03/2023</a:t>
             </a:fld>
             <a:endParaRPr lang="en-GB"/>
           </a:p>
@@ -2393,7 +2398,7 @@
           <a:p>
             <a:fld id="{DA8F2445-9BCA-4445-AFEA-07BFD637959D}" type="datetimeFigureOut">
               <a:rPr lang="en-GB" smtClean="0"/>
-              <a:t>10/10/2019</a:t>
+              <a:t>12/03/2023</a:t>
             </a:fld>
             <a:endParaRPr lang="en-GB"/>
           </a:p>
@@ -2682,7 +2687,7 @@
           <a:p>
             <a:fld id="{DA8F2445-9BCA-4445-AFEA-07BFD637959D}" type="datetimeFigureOut">
               <a:rPr lang="en-GB" smtClean="0"/>
-              <a:t>10/10/2019</a:t>
+              <a:t>12/03/2023</a:t>
             </a:fld>
             <a:endParaRPr lang="en-GB"/>
           </a:p>
@@ -2925,7 +2930,7 @@
           <a:p>
             <a:fld id="{DA8F2445-9BCA-4445-AFEA-07BFD637959D}" type="datetimeFigureOut">
               <a:rPr lang="en-GB" smtClean="0"/>
-              <a:t>10/10/2019</a:t>
+              <a:t>12/03/2023</a:t>
             </a:fld>
             <a:endParaRPr lang="en-GB"/>
           </a:p>
@@ -3517,7 +3522,7 @@
           </p:nvSpPr>
           <p:spPr>
             <a:xfrm>
-              <a:off x="2386558" y="1643643"/>
+              <a:off x="2956312" y="1693240"/>
               <a:ext cx="2203615" cy="591458"/>
             </a:xfrm>
             <a:prstGeom prst="rect">
@@ -3570,7 +3575,7 @@
           </p:nvSpPr>
           <p:spPr>
             <a:xfrm>
-              <a:off x="8072712" y="1975670"/>
+              <a:off x="7582717" y="1912117"/>
               <a:ext cx="2267602" cy="591458"/>
             </a:xfrm>
             <a:prstGeom prst="rect">
@@ -4189,8 +4194,8 @@
           </p:nvSpPr>
           <p:spPr>
             <a:xfrm>
-              <a:off x="4933644" y="2620685"/>
-              <a:ext cx="2516108" cy="337976"/>
+              <a:off x="4570977" y="2674636"/>
+              <a:ext cx="2616455" cy="338554"/>
             </a:xfrm>
             <a:prstGeom prst="rect">
               <a:avLst/>
@@ -4218,7 +4223,11 @@
             <a:p>
               <a:r>
                 <a:rPr lang="en-GB" sz="1600" dirty="0"/>
-                <a:t>Instantiated by Apache Isis</a:t>
+                <a:t>Instantiated </a:t>
+              </a:r>
+              <a:r>
+                <a:rPr lang="en-GB" sz="1600"/>
+                <a:t>by Causeway</a:t>
               </a:r>
               <a:endParaRPr lang="en-GB" sz="1600" b="1" dirty="0"/>
             </a:p>
